--- a/SistemaLTPV/Docs/ltpv_db.pptx
+++ b/SistemaLTPV/Docs/ltpv_db.pptx
@@ -288,7 +288,8 @@
           <a:p>
             <a:fld id="{B6C91C7E-3AD6-455C-A138-D4CC496751DE}" type="datetimeFigureOut">
               <a:rPr lang="en-US" smtClean="0"/>
-              <a:t>8/15/2009</a:t>
+              <a:pPr/>
+              <a:t>8/24/2009</a:t>
             </a:fld>
             <a:endParaRPr lang="en-CA"/>
           </a:p>
@@ -330,6 +331,7 @@
           <a:p>
             <a:fld id="{FB03B8E2-20CF-4ACB-9315-C43A0D39AC72}" type="slidenum">
               <a:rPr lang="en-CA" smtClean="0"/>
+              <a:pPr/>
               <a:t>‹#›</a:t>
             </a:fld>
             <a:endParaRPr lang="en-CA"/>
@@ -453,7 +455,8 @@
           <a:p>
             <a:fld id="{B6C91C7E-3AD6-455C-A138-D4CC496751DE}" type="datetimeFigureOut">
               <a:rPr lang="en-US" smtClean="0"/>
-              <a:t>8/15/2009</a:t>
+              <a:pPr/>
+              <a:t>8/24/2009</a:t>
             </a:fld>
             <a:endParaRPr lang="en-CA"/>
           </a:p>
@@ -495,6 +498,7 @@
           <a:p>
             <a:fld id="{FB03B8E2-20CF-4ACB-9315-C43A0D39AC72}" type="slidenum">
               <a:rPr lang="en-CA" smtClean="0"/>
+              <a:pPr/>
               <a:t>‹#›</a:t>
             </a:fld>
             <a:endParaRPr lang="en-CA"/>
@@ -628,7 +632,8 @@
           <a:p>
             <a:fld id="{B6C91C7E-3AD6-455C-A138-D4CC496751DE}" type="datetimeFigureOut">
               <a:rPr lang="en-US" smtClean="0"/>
-              <a:t>8/15/2009</a:t>
+              <a:pPr/>
+              <a:t>8/24/2009</a:t>
             </a:fld>
             <a:endParaRPr lang="en-CA"/>
           </a:p>
@@ -670,6 +675,7 @@
           <a:p>
             <a:fld id="{FB03B8E2-20CF-4ACB-9315-C43A0D39AC72}" type="slidenum">
               <a:rPr lang="en-CA" smtClean="0"/>
+              <a:pPr/>
               <a:t>‹#›</a:t>
             </a:fld>
             <a:endParaRPr lang="en-CA"/>
@@ -793,7 +799,8 @@
           <a:p>
             <a:fld id="{B6C91C7E-3AD6-455C-A138-D4CC496751DE}" type="datetimeFigureOut">
               <a:rPr lang="en-US" smtClean="0"/>
-              <a:t>8/15/2009</a:t>
+              <a:pPr/>
+              <a:t>8/24/2009</a:t>
             </a:fld>
             <a:endParaRPr lang="en-CA"/>
           </a:p>
@@ -835,6 +842,7 @@
           <a:p>
             <a:fld id="{FB03B8E2-20CF-4ACB-9315-C43A0D39AC72}" type="slidenum">
               <a:rPr lang="en-CA" smtClean="0"/>
+              <a:pPr/>
               <a:t>‹#›</a:t>
             </a:fld>
             <a:endParaRPr lang="en-CA"/>
@@ -1034,7 +1042,8 @@
           <a:p>
             <a:fld id="{B6C91C7E-3AD6-455C-A138-D4CC496751DE}" type="datetimeFigureOut">
               <a:rPr lang="en-US" smtClean="0"/>
-              <a:t>8/15/2009</a:t>
+              <a:pPr/>
+              <a:t>8/24/2009</a:t>
             </a:fld>
             <a:endParaRPr lang="en-CA"/>
           </a:p>
@@ -1076,6 +1085,7 @@
           <a:p>
             <a:fld id="{FB03B8E2-20CF-4ACB-9315-C43A0D39AC72}" type="slidenum">
               <a:rPr lang="en-CA" smtClean="0"/>
+              <a:pPr/>
               <a:t>‹#›</a:t>
             </a:fld>
             <a:endParaRPr lang="en-CA"/>
@@ -1317,7 +1327,8 @@
           <a:p>
             <a:fld id="{B6C91C7E-3AD6-455C-A138-D4CC496751DE}" type="datetimeFigureOut">
               <a:rPr lang="en-US" smtClean="0"/>
-              <a:t>8/15/2009</a:t>
+              <a:pPr/>
+              <a:t>8/24/2009</a:t>
             </a:fld>
             <a:endParaRPr lang="en-CA"/>
           </a:p>
@@ -1359,6 +1370,7 @@
           <a:p>
             <a:fld id="{FB03B8E2-20CF-4ACB-9315-C43A0D39AC72}" type="slidenum">
               <a:rPr lang="en-CA" smtClean="0"/>
+              <a:pPr/>
               <a:t>‹#›</a:t>
             </a:fld>
             <a:endParaRPr lang="en-CA"/>
@@ -1734,7 +1746,8 @@
           <a:p>
             <a:fld id="{B6C91C7E-3AD6-455C-A138-D4CC496751DE}" type="datetimeFigureOut">
               <a:rPr lang="en-US" smtClean="0"/>
-              <a:t>8/15/2009</a:t>
+              <a:pPr/>
+              <a:t>8/24/2009</a:t>
             </a:fld>
             <a:endParaRPr lang="en-CA"/>
           </a:p>
@@ -1776,6 +1789,7 @@
           <a:p>
             <a:fld id="{FB03B8E2-20CF-4ACB-9315-C43A0D39AC72}" type="slidenum">
               <a:rPr lang="en-CA" smtClean="0"/>
+              <a:pPr/>
               <a:t>‹#›</a:t>
             </a:fld>
             <a:endParaRPr lang="en-CA"/>
@@ -1847,7 +1861,8 @@
           <a:p>
             <a:fld id="{B6C91C7E-3AD6-455C-A138-D4CC496751DE}" type="datetimeFigureOut">
               <a:rPr lang="en-US" smtClean="0"/>
-              <a:t>8/15/2009</a:t>
+              <a:pPr/>
+              <a:t>8/24/2009</a:t>
             </a:fld>
             <a:endParaRPr lang="en-CA"/>
           </a:p>
@@ -1889,6 +1904,7 @@
           <a:p>
             <a:fld id="{FB03B8E2-20CF-4ACB-9315-C43A0D39AC72}" type="slidenum">
               <a:rPr lang="en-CA" smtClean="0"/>
+              <a:pPr/>
               <a:t>‹#›</a:t>
             </a:fld>
             <a:endParaRPr lang="en-CA"/>
@@ -1937,7 +1953,8 @@
           <a:p>
             <a:fld id="{B6C91C7E-3AD6-455C-A138-D4CC496751DE}" type="datetimeFigureOut">
               <a:rPr lang="en-US" smtClean="0"/>
-              <a:t>8/15/2009</a:t>
+              <a:pPr/>
+              <a:t>8/24/2009</a:t>
             </a:fld>
             <a:endParaRPr lang="en-CA"/>
           </a:p>
@@ -1979,6 +1996,7 @@
           <a:p>
             <a:fld id="{FB03B8E2-20CF-4ACB-9315-C43A0D39AC72}" type="slidenum">
               <a:rPr lang="en-CA" smtClean="0"/>
+              <a:pPr/>
               <a:t>‹#›</a:t>
             </a:fld>
             <a:endParaRPr lang="en-CA"/>
@@ -2209,7 +2227,8 @@
           <a:p>
             <a:fld id="{B6C91C7E-3AD6-455C-A138-D4CC496751DE}" type="datetimeFigureOut">
               <a:rPr lang="en-US" smtClean="0"/>
-              <a:t>8/15/2009</a:t>
+              <a:pPr/>
+              <a:t>8/24/2009</a:t>
             </a:fld>
             <a:endParaRPr lang="en-CA"/>
           </a:p>
@@ -2251,6 +2270,7 @@
           <a:p>
             <a:fld id="{FB03B8E2-20CF-4ACB-9315-C43A0D39AC72}" type="slidenum">
               <a:rPr lang="en-CA" smtClean="0"/>
+              <a:pPr/>
               <a:t>‹#›</a:t>
             </a:fld>
             <a:endParaRPr lang="en-CA"/>
@@ -2457,7 +2477,8 @@
           <a:p>
             <a:fld id="{B6C91C7E-3AD6-455C-A138-D4CC496751DE}" type="datetimeFigureOut">
               <a:rPr lang="en-US" smtClean="0"/>
-              <a:t>8/15/2009</a:t>
+              <a:pPr/>
+              <a:t>8/24/2009</a:t>
             </a:fld>
             <a:endParaRPr lang="en-CA"/>
           </a:p>
@@ -2499,6 +2520,7 @@
           <a:p>
             <a:fld id="{FB03B8E2-20CF-4ACB-9315-C43A0D39AC72}" type="slidenum">
               <a:rPr lang="en-CA" smtClean="0"/>
+              <a:pPr/>
               <a:t>‹#›</a:t>
             </a:fld>
             <a:endParaRPr lang="en-CA"/>
@@ -2665,7 +2687,8 @@
           <a:p>
             <a:fld id="{B6C91C7E-3AD6-455C-A138-D4CC496751DE}" type="datetimeFigureOut">
               <a:rPr lang="en-US" smtClean="0"/>
-              <a:t>8/15/2009</a:t>
+              <a:pPr/>
+              <a:t>8/24/2009</a:t>
             </a:fld>
             <a:endParaRPr lang="en-CA"/>
           </a:p>
@@ -2743,6 +2766,7 @@
           <a:p>
             <a:fld id="{FB03B8E2-20CF-4ACB-9315-C43A0D39AC72}" type="slidenum">
               <a:rPr lang="en-CA" smtClean="0"/>
+              <a:pPr/>
               <a:t>‹#›</a:t>
             </a:fld>
             <a:endParaRPr lang="en-CA"/>
